--- a/Lectures/05_paskaita (Objektinis programavimas. 1 dalis).pptx
+++ b/Lectures/05_paskaita (Objektinis programavimas. 1 dalis).pptx
@@ -21474,7 +21474,7 @@
                 </a:solidFill>
                 <a:latin typeface="Arial"/>
               </a:rPr>
-              <a:t>Objektinis programavimas  (1 dalis), klasės.</a:t>
+              <a:t>Objektinis programavimas (1 dalis), klasės.</a:t>
             </a:r>
             <a:endParaRPr lang="lt-LT" sz="4400" b="0" strike="noStrike" spc="-1" dirty="0">
               <a:latin typeface="Arial"/>
@@ -25463,7 +25463,7 @@
         </p:nvSpPr>
         <p:spPr>
           <a:xfrm>
-            <a:off x="3281760" y="1821960"/>
+            <a:off x="3287700" y="2546280"/>
             <a:ext cx="3750120" cy="329040"/>
           </a:xfrm>
           <a:prstGeom prst="rect">
@@ -25595,7 +25595,7 @@
         </p:nvSpPr>
         <p:spPr>
           <a:xfrm>
-            <a:off x="3281760" y="2171520"/>
+            <a:off x="3287700" y="2895840"/>
             <a:ext cx="3750120" cy="503640"/>
           </a:xfrm>
           <a:prstGeom prst="rect">
@@ -25722,7 +25722,7 @@
         </p:nvSpPr>
         <p:spPr>
           <a:xfrm>
-            <a:off x="7503480" y="1821960"/>
+            <a:off x="7509420" y="2546280"/>
             <a:ext cx="4207320" cy="790560"/>
           </a:xfrm>
           <a:prstGeom prst="rect">
@@ -25764,13 +25764,7 @@
                 <a:uFillTx/>
                 <a:ea typeface="+mn-lt"/>
                 <a:cs typeface="+mn-lt"/>
-                <a:hlinkClick r:id="rId2">
-                  <a:extLst>
-                    <a:ext uri="{A12FA001-AC4F-418D-AE19-62706E023703}">
-                      <ahyp:hlinkClr xmlns:ahyp="http://schemas.microsoft.com/office/drawing/2018/hyperlinkcolor" val="tx"/>
-                    </a:ext>
-                  </a:extLst>
-                </a:hlinkClick>
+                <a:hlinkClick r:id="rId2"/>
               </a:rPr>
               <a:t>https://</a:t>
             </a:r>
@@ -25778,13 +25772,7 @@
               <a:rPr lang="lt-LT" sz="1600" spc="-1" dirty="0">
                 <a:ea typeface="+mn-lt"/>
                 <a:cs typeface="+mn-lt"/>
-                <a:hlinkClick r:id="rId2">
-                  <a:extLst>
-                    <a:ext uri="{A12FA001-AC4F-418D-AE19-62706E023703}">
-                      <ahyp:hlinkClr xmlns:ahyp="http://schemas.microsoft.com/office/drawing/2018/hyperlinkcolor" val="tx"/>
-                    </a:ext>
-                  </a:extLst>
-                </a:hlinkClick>
+                <a:hlinkClick r:id="rId2"/>
               </a:rPr>
               <a:t>www</a:t>
             </a:r>
@@ -25793,13 +25781,7 @@
                 <a:uFillTx/>
                 <a:ea typeface="+mn-lt"/>
                 <a:cs typeface="+mn-lt"/>
-                <a:hlinkClick r:id="rId2">
-                  <a:extLst>
-                    <a:ext uri="{A12FA001-AC4F-418D-AE19-62706E023703}">
-                      <ahyp:hlinkClr xmlns:ahyp="http://schemas.microsoft.com/office/drawing/2018/hyperlinkcolor" val="tx"/>
-                    </a:ext>
-                  </a:extLst>
-                </a:hlinkClick>
+                <a:hlinkClick r:id="rId2"/>
               </a:rPr>
               <a:t>.</a:t>
             </a:r>
@@ -25807,13 +25789,7 @@
               <a:rPr lang="lt-LT" sz="1600" spc="-1" dirty="0">
                 <a:ea typeface="+mn-lt"/>
                 <a:cs typeface="+mn-lt"/>
-                <a:hlinkClick r:id="rId2">
-                  <a:extLst>
-                    <a:ext uri="{A12FA001-AC4F-418D-AE19-62706E023703}">
-                      <ahyp:hlinkClr xmlns:ahyp="http://schemas.microsoft.com/office/drawing/2018/hyperlinkcolor" val="tx"/>
-                    </a:ext>
-                  </a:extLst>
-                </a:hlinkClick>
+                <a:hlinkClick r:id="rId2"/>
               </a:rPr>
               <a:t>youtube</a:t>
             </a:r>
@@ -25822,13 +25798,7 @@
                 <a:uFillTx/>
                 <a:ea typeface="+mn-lt"/>
                 <a:cs typeface="+mn-lt"/>
-                <a:hlinkClick r:id="rId2">
-                  <a:extLst>
-                    <a:ext uri="{A12FA001-AC4F-418D-AE19-62706E023703}">
-                      <ahyp:hlinkClr xmlns:ahyp="http://schemas.microsoft.com/office/drawing/2018/hyperlinkcolor" val="tx"/>
-                    </a:ext>
-                  </a:extLst>
-                </a:hlinkClick>
+                <a:hlinkClick r:id="rId2"/>
               </a:rPr>
               <a:t>.</a:t>
             </a:r>
@@ -25836,13 +25806,7 @@
               <a:rPr lang="lt-LT" sz="1600" spc="-1" dirty="0">
                 <a:ea typeface="+mn-lt"/>
                 <a:cs typeface="+mn-lt"/>
-                <a:hlinkClick r:id="rId2">
-                  <a:extLst>
-                    <a:ext uri="{A12FA001-AC4F-418D-AE19-62706E023703}">
-                      <ahyp:hlinkClr xmlns:ahyp="http://schemas.microsoft.com/office/drawing/2018/hyperlinkcolor" val="tx"/>
-                    </a:ext>
-                  </a:extLst>
-                </a:hlinkClick>
+                <a:hlinkClick r:id="rId2"/>
               </a:rPr>
               <a:t>com</a:t>
             </a:r>
@@ -25851,13 +25815,7 @@
                 <a:uFillTx/>
                 <a:ea typeface="+mn-lt"/>
                 <a:cs typeface="+mn-lt"/>
-                <a:hlinkClick r:id="rId2">
-                  <a:extLst>
-                    <a:ext uri="{A12FA001-AC4F-418D-AE19-62706E023703}">
-                      <ahyp:hlinkClr xmlns:ahyp="http://schemas.microsoft.com/office/drawing/2018/hyperlinkcolor" val="tx"/>
-                    </a:ext>
-                  </a:extLst>
-                </a:hlinkClick>
+                <a:hlinkClick r:id="rId2"/>
               </a:rPr>
               <a:t>/</a:t>
             </a:r>
@@ -25865,17 +25823,261 @@
               <a:rPr lang="lt-LT" sz="1600" spc="-1" dirty="0">
                 <a:ea typeface="+mn-lt"/>
                 <a:cs typeface="+mn-lt"/>
-                <a:hlinkClick r:id="rId2">
-                  <a:extLst>
-                    <a:ext uri="{A12FA001-AC4F-418D-AE19-62706E023703}">
-                      <ahyp:hlinkClr xmlns:ahyp="http://schemas.microsoft.com/office/drawing/2018/hyperlinkcolor" val="tx"/>
-                    </a:ext>
-                  </a:extLst>
-                </a:hlinkClick>
+                <a:hlinkClick r:id="rId2"/>
               </a:rPr>
               <a:t>watch?v=YfleC1nWM6A</a:t>
             </a:r>
+            <a:endParaRPr lang="lt-LT" sz="1600" spc="-1" dirty="0">
+              <a:ea typeface="+mn-lt"/>
+              <a:cs typeface="+mn-lt"/>
+            </a:endParaRPr>
+          </a:p>
+          <a:p>
+            <a:pPr>
+              <a:lnSpc>
+                <a:spcPct val="90000"/>
+              </a:lnSpc>
+              <a:spcBef>
+                <a:spcPts val="1001"/>
+              </a:spcBef>
+            </a:pPr>
             <a:endParaRPr lang="en-US" dirty="0"/>
+          </a:p>
+        </p:txBody>
+      </p:sp>
+      <p:sp>
+        <p:nvSpPr>
+          <p:cNvPr id="2" name="TextShape 5">
+            <a:extLst>
+              <a:ext uri="{FF2B5EF4-FFF2-40B4-BE49-F238E27FC236}">
+                <a16:creationId xmlns:a16="http://schemas.microsoft.com/office/drawing/2014/main" id="{C15F0741-6FBD-3389-2BBC-2C6F155BC720}"/>
+              </a:ext>
+            </a:extLst>
+          </p:cNvPr>
+          <p:cNvSpPr txBox="1"/>
+          <p:nvPr/>
+        </p:nvSpPr>
+        <p:spPr>
+          <a:xfrm>
+            <a:off x="7545111" y="1641600"/>
+            <a:ext cx="4113497" cy="790920"/>
+          </a:xfrm>
+          <a:prstGeom prst="rect">
+            <a:avLst/>
+          </a:prstGeom>
+          <a:noFill/>
+          <a:ln w="12600">
+            <a:noFill/>
+          </a:ln>
+        </p:spPr>
+        <p:txBody>
+          <a:bodyPr lIns="45720" tIns="45000" rIns="45720" bIns="45000">
+            <a:noAutofit/>
+          </a:bodyPr>
+          <a:lstStyle/>
+          <a:p>
+            <a:pPr>
+              <a:lnSpc>
+                <a:spcPct val="90000"/>
+              </a:lnSpc>
+              <a:spcBef>
+                <a:spcPts val="1001"/>
+              </a:spcBef>
+            </a:pPr>
+            <a:r>
+              <a:rPr lang="lt-LT" sz="1600" u="sng" strike="noStrike" spc="-1" dirty="0">
+                <a:solidFill>
+                  <a:srgbClr val="0000FF"/>
+                </a:solidFill>
+                <a:uFillTx/>
+                <a:latin typeface="Arial"/>
+                <a:ea typeface="Arial"/>
+              </a:rPr>
+              <a:t>https://</a:t>
+            </a:r>
+            <a:r>
+              <a:rPr lang="lt-LT" sz="1600" u="sng" strike="noStrike" spc="-1" dirty="0" err="1">
+                <a:solidFill>
+                  <a:srgbClr val="0000FF"/>
+                </a:solidFill>
+                <a:uFillTx/>
+                <a:latin typeface="Arial"/>
+                <a:ea typeface="Arial"/>
+              </a:rPr>
+              <a:t>github.com</a:t>
+            </a:r>
+            <a:r>
+              <a:rPr lang="lt-LT" sz="1600" u="sng" strike="noStrike" spc="-1" dirty="0">
+                <a:solidFill>
+                  <a:srgbClr val="0000FF"/>
+                </a:solidFill>
+                <a:uFillTx/>
+                <a:latin typeface="Arial"/>
+                <a:ea typeface="Arial"/>
+              </a:rPr>
+              <a:t>/aurimas13/</a:t>
+            </a:r>
+            <a:r>
+              <a:rPr lang="lt-LT" sz="1600" u="sng" strike="noStrike" spc="-1" dirty="0" err="1">
+                <a:solidFill>
+                  <a:srgbClr val="0000FF"/>
+                </a:solidFill>
+                <a:uFillTx/>
+                <a:latin typeface="Arial"/>
+                <a:ea typeface="Arial"/>
+              </a:rPr>
+              <a:t>Python-Beginner-Course</a:t>
+            </a:r>
+            <a:r>
+              <a:rPr lang="lt-LT" sz="1600" u="sng" strike="noStrike" spc="-1" dirty="0">
+                <a:solidFill>
+                  <a:srgbClr val="0000FF"/>
+                </a:solidFill>
+                <a:uFillTx/>
+                <a:latin typeface="Arial"/>
+                <a:ea typeface="Arial"/>
+              </a:rPr>
+              <a:t>/</a:t>
+            </a:r>
+            <a:r>
+              <a:rPr lang="lt-LT" sz="1600" u="sng" strike="noStrike" spc="-1" dirty="0" err="1">
+                <a:solidFill>
+                  <a:srgbClr val="0000FF"/>
+                </a:solidFill>
+                <a:uFillTx/>
+                <a:latin typeface="Arial"/>
+                <a:ea typeface="Arial"/>
+              </a:rPr>
+              <a:t>tree</a:t>
+            </a:r>
+            <a:r>
+              <a:rPr lang="lt-LT" sz="1600" u="sng" strike="noStrike" spc="-1" dirty="0">
+                <a:solidFill>
+                  <a:srgbClr val="0000FF"/>
+                </a:solidFill>
+                <a:uFillTx/>
+                <a:latin typeface="Arial"/>
+                <a:ea typeface="Arial"/>
+              </a:rPr>
+              <a:t>/</a:t>
+            </a:r>
+            <a:r>
+              <a:rPr lang="lt-LT" sz="1600" u="sng" strike="noStrike" spc="-1" dirty="0" err="1">
+                <a:solidFill>
+                  <a:srgbClr val="0000FF"/>
+                </a:solidFill>
+                <a:uFillTx/>
+                <a:latin typeface="Arial"/>
+                <a:ea typeface="Arial"/>
+              </a:rPr>
+              <a:t>main</a:t>
+            </a:r>
+            <a:r>
+              <a:rPr lang="lt-LT" sz="1600" u="sng" strike="noStrike" spc="-1" dirty="0">
+                <a:solidFill>
+                  <a:srgbClr val="0000FF"/>
+                </a:solidFill>
+                <a:uFillTx/>
+                <a:latin typeface="Arial"/>
+                <a:ea typeface="Arial"/>
+              </a:rPr>
+              <a:t>/</a:t>
+            </a:r>
+            <a:r>
+              <a:rPr lang="lt-LT" sz="1600" u="sng" strike="noStrike" spc="-1" dirty="0" err="1">
+                <a:solidFill>
+                  <a:srgbClr val="0000FF"/>
+                </a:solidFill>
+                <a:uFillTx/>
+                <a:latin typeface="Arial"/>
+                <a:ea typeface="Arial"/>
+              </a:rPr>
+              <a:t>Programs</a:t>
+            </a:r>
+            <a:endParaRPr lang="lt-LT" sz="1600" strike="noStrike" spc="-1" dirty="0">
+              <a:solidFill>
+                <a:srgbClr val="000000"/>
+              </a:solidFill>
+              <a:latin typeface="Arial"/>
+            </a:endParaRPr>
+          </a:p>
+        </p:txBody>
+      </p:sp>
+      <p:sp>
+        <p:nvSpPr>
+          <p:cNvPr id="3" name="TextShape 2">
+            <a:extLst>
+              <a:ext uri="{FF2B5EF4-FFF2-40B4-BE49-F238E27FC236}">
+                <a16:creationId xmlns:a16="http://schemas.microsoft.com/office/drawing/2014/main" id="{EE7DE63D-AD01-D2C9-7625-3AC83636BB37}"/>
+              </a:ext>
+            </a:extLst>
+          </p:cNvPr>
+          <p:cNvSpPr txBox="1"/>
+          <p:nvPr/>
+        </p:nvSpPr>
+        <p:spPr>
+          <a:xfrm>
+            <a:off x="3287700" y="1641600"/>
+            <a:ext cx="3750120" cy="663420"/>
+          </a:xfrm>
+          <a:prstGeom prst="rect">
+            <a:avLst/>
+          </a:prstGeom>
+          <a:noFill/>
+          <a:ln w="12600">
+            <a:noFill/>
+          </a:ln>
+        </p:spPr>
+        <p:txBody>
+          <a:bodyPr lIns="45720" tIns="45000" rIns="45720" bIns="45000">
+            <a:noAutofit/>
+          </a:bodyPr>
+          <a:lstStyle/>
+          <a:p>
+            <a:pPr>
+              <a:lnSpc>
+                <a:spcPct val="90000"/>
+              </a:lnSpc>
+              <a:spcBef>
+                <a:spcPts val="1001"/>
+              </a:spcBef>
+            </a:pPr>
+            <a:r>
+              <a:rPr lang="lt-LT" sz="1600" b="1" strike="noStrike" spc="-1" dirty="0">
+                <a:solidFill>
+                  <a:srgbClr val="000000"/>
+                </a:solidFill>
+                <a:latin typeface="Arial"/>
+                <a:ea typeface="Arial"/>
+              </a:rPr>
+              <a:t>Išspręsti paskaitos uždaviniai </a:t>
+            </a:r>
+            <a:r>
+              <a:rPr lang="lt-LT" sz="1600" strike="noStrike" spc="-1" dirty="0">
+                <a:solidFill>
+                  <a:srgbClr val="000000"/>
+                </a:solidFill>
+                <a:latin typeface="Arial"/>
+                <a:ea typeface="Arial"/>
+              </a:rPr>
+              <a:t>(įkelti </a:t>
+            </a:r>
+            <a:r>
+              <a:rPr lang="lt-LT" sz="1600" spc="-1" dirty="0">
+                <a:solidFill>
+                  <a:srgbClr val="000000"/>
+                </a:solidFill>
+                <a:latin typeface="Arial"/>
+                <a:ea typeface="Arial"/>
+              </a:rPr>
+              <a:t>pirmadienį)</a:t>
+            </a:r>
+            <a:endParaRPr lang="lt-LT" sz="1600" strike="noStrike" spc="-1" dirty="0">
+              <a:solidFill>
+                <a:srgbClr val="000000"/>
+              </a:solidFill>
+              <a:latin typeface="Arial"/>
+            </a:endParaRPr>
           </a:p>
         </p:txBody>
       </p:sp>

--- a/Lectures/05_paskaita (Objektinis programavimas. 1 dalis).pptx
+++ b/Lectures/05_paskaita (Objektinis programavimas. 1 dalis).pptx
@@ -25859,7 +25859,7 @@
         </p:nvSpPr>
         <p:spPr>
           <a:xfrm>
-            <a:off x="7545111" y="1641600"/>
+            <a:off x="7509420" y="1640137"/>
             <a:ext cx="4113497" cy="790920"/>
           </a:xfrm>
           <a:prstGeom prst="rect">
